--- a/SpeakingEvaluationTemplate.pptx
+++ b/SpeakingEvaluationTemplate.pptx
@@ -15,7 +15,7 @@
       <p:regular r:id="rId3"/>
     </p:embeddedFont>
     <p:embeddedFont>
-      <p:font typeface="A little sunshine" panose="02000603000000000000" pitchFamily="2" charset="0"/>
+      <p:font typeface="Just Another Hand" panose="02000506000000020003" pitchFamily="2" charset="0"/>
       <p:regular r:id="rId4"/>
     </p:embeddedFont>
   </p:embeddedFontLst>
@@ -140,6 +140,14 @@
     </p:ext>
   </p:extLst>
 </p:presentation>
+</file>
+
+<file path=ppt/revisionInfo.xml><?xml version="1.0" encoding="utf-8"?>
+<p1510:revInfo xmlns:a="http://schemas.openxmlformats.org/drawingml/2006/main" xmlns:r="http://schemas.openxmlformats.org/officeDocument/2006/relationships" xmlns:p1510="http://schemas.microsoft.com/office/powerpoint/2015/10/main">
+  <p1510:revLst>
+    <p1510:client id="{D0CF374C-DFBE-455C-A58A-63EDDBC9C852}" v="2" dt="2025-03-26T20:47:37.483"/>
+  </p1510:revLst>
+</p1510:revInfo>
 </file>
 
 <file path=ppt/changesInfos/changesInfo1.xml><?xml version="1.0" encoding="utf-8"?>
@@ -899,6 +907,62 @@
       </pc:sldMasterChg>
     </pc:docChg>
   </pc:docChgLst>
+  <pc:docChgLst>
+    <pc:chgData name="Warren Feltmate" userId="06ccb0c333b4239d" providerId="LiveId" clId="{D0CF374C-DFBE-455C-A58A-63EDDBC9C852}"/>
+    <pc:docChg chg="modSld">
+      <pc:chgData name="Warren Feltmate" userId="06ccb0c333b4239d" providerId="LiveId" clId="{D0CF374C-DFBE-455C-A58A-63EDDBC9C852}" dt="2025-03-26T20:40:30.199" v="32" actId="2711"/>
+      <pc:docMkLst>
+        <pc:docMk/>
+      </pc:docMkLst>
+      <pc:sldChg chg="modSp mod">
+        <pc:chgData name="Warren Feltmate" userId="06ccb0c333b4239d" providerId="LiveId" clId="{D0CF374C-DFBE-455C-A58A-63EDDBC9C852}" dt="2025-03-26T20:40:30.199" v="32" actId="2711"/>
+        <pc:sldMkLst>
+          <pc:docMk/>
+          <pc:sldMk cId="2986033172" sldId="258"/>
+        </pc:sldMkLst>
+        <pc:spChg chg="mod">
+          <ac:chgData name="Warren Feltmate" userId="06ccb0c333b4239d" providerId="LiveId" clId="{D0CF374C-DFBE-455C-A58A-63EDDBC9C852}" dt="2025-03-26T20:40:11.872" v="31" actId="1036"/>
+          <ac:spMkLst>
+            <pc:docMk/>
+            <pc:sldMk cId="2986033172" sldId="258"/>
+            <ac:spMk id="5" creationId="{9456CAC5-6CD1-0CBF-C271-A5041AC6163F}"/>
+          </ac:spMkLst>
+        </pc:spChg>
+        <pc:spChg chg="mod">
+          <ac:chgData name="Warren Feltmate" userId="06ccb0c333b4239d" providerId="LiveId" clId="{D0CF374C-DFBE-455C-A58A-63EDDBC9C852}" dt="2025-03-26T20:40:11.872" v="31" actId="1036"/>
+          <ac:spMkLst>
+            <pc:docMk/>
+            <pc:sldMk cId="2986033172" sldId="258"/>
+            <ac:spMk id="6" creationId="{33934AC6-4CEA-9AEF-F212-4A4152C6E130}"/>
+          </ac:spMkLst>
+        </pc:spChg>
+        <pc:spChg chg="mod">
+          <ac:chgData name="Warren Feltmate" userId="06ccb0c333b4239d" providerId="LiveId" clId="{D0CF374C-DFBE-455C-A58A-63EDDBC9C852}" dt="2025-03-26T20:40:11.872" v="31" actId="1036"/>
+          <ac:spMkLst>
+            <pc:docMk/>
+            <pc:sldMk cId="2986033172" sldId="258"/>
+            <ac:spMk id="7" creationId="{07BC5B6D-04B8-E053-FB3A-687109589539}"/>
+          </ac:spMkLst>
+        </pc:spChg>
+        <pc:spChg chg="mod">
+          <ac:chgData name="Warren Feltmate" userId="06ccb0c333b4239d" providerId="LiveId" clId="{D0CF374C-DFBE-455C-A58A-63EDDBC9C852}" dt="2025-03-26T20:40:30.199" v="32" actId="2711"/>
+          <ac:spMkLst>
+            <pc:docMk/>
+            <pc:sldMk cId="2986033172" sldId="258"/>
+            <ac:spMk id="8" creationId="{EEE46E5F-FB90-FABC-4D3B-8E8E26233BC6}"/>
+          </ac:spMkLst>
+        </pc:spChg>
+        <pc:spChg chg="mod">
+          <ac:chgData name="Warren Feltmate" userId="06ccb0c333b4239d" providerId="LiveId" clId="{D0CF374C-DFBE-455C-A58A-63EDDBC9C852}" dt="2025-03-26T20:40:11.872" v="31" actId="1036"/>
+          <ac:spMkLst>
+            <pc:docMk/>
+            <pc:sldMk cId="2986033172" sldId="258"/>
+            <ac:spMk id="9" creationId="{6EBD9C66-9284-1D3E-CF00-9A8077CE630E}"/>
+          </ac:spMkLst>
+        </pc:spChg>
+      </pc:sldChg>
+    </pc:docChg>
+  </pc:docChgLst>
 </pc:chgInfo>
 </file>
 
@@ -6381,7 +6445,7 @@
               <a:solidFill>
                 <a:schemeClr val="tx1"/>
               </a:solidFill>
-              <a:latin typeface="A little sunshine" panose="02000603000000000000" pitchFamily="2" charset="0"/>
+              <a:latin typeface="Just Another Hand" panose="02000506000000020003" pitchFamily="2" charset="0"/>
               <a:ea typeface="A little sunshine" panose="02000603000000000000" pitchFamily="2" charset="0"/>
             </a:endParaRPr>
           </a:p>
@@ -8705,9 +8769,9 @@
         <p:grpSpPr>
           <a:xfrm>
             <a:off x="1430655" y="995642"/>
-            <a:ext cx="5046345" cy="597861"/>
+            <a:ext cx="5046345" cy="629288"/>
             <a:chOff x="1430655" y="995642"/>
-            <a:chExt cx="5046345" cy="597861"/>
+            <a:chExt cx="5046345" cy="629288"/>
           </a:xfrm>
         </p:grpSpPr>
         <p:sp>
@@ -8724,7 +8788,7 @@
           </p:nvSpPr>
           <p:spPr>
             <a:xfrm>
-              <a:off x="5334000" y="1301115"/>
+              <a:off x="5334000" y="1332542"/>
               <a:ext cx="1143000" cy="292388"/>
             </a:xfrm>
             <a:prstGeom prst="rect">
@@ -8739,7 +8803,7 @@
             <a:lstStyle/>
             <a:p>
               <a:r>
-                <a:rPr kumimoji="0" lang="en-US" sz="1300" b="0" i="0" u="none" strike="noStrike" kern="1200" cap="none" spc="0" normalizeH="0" baseline="0" noProof="0" dirty="0">
+                <a:rPr kumimoji="0" lang="en-US" i="0" u="none" strike="noStrike" kern="1200" cap="none" spc="0" normalizeH="0" baseline="0" noProof="0" dirty="0">
                   <a:ln>
                     <a:noFill/>
                   </a:ln>
@@ -8749,13 +8813,14 @@
                   <a:effectLst/>
                   <a:uLnTx/>
                   <a:uFillTx/>
-                  <a:latin typeface="A little sunshine" pitchFamily="2" charset="0"/>
+                  <a:latin typeface="Just Another Hand" panose="02000506000000020003" pitchFamily="2" charset="0"/>
                   <a:ea typeface="A little sunshine" pitchFamily="2" charset="0"/>
-                  <a:cs typeface="+mn-cs"/>
                 </a:rPr>
                 <a:t>Mar. 2025</a:t>
               </a:r>
-              <a:endParaRPr lang="en-US" dirty="0"/>
+              <a:endParaRPr lang="en-US" sz="2800" dirty="0">
+                <a:latin typeface="Just Another Hand" panose="02000506000000020003" pitchFamily="2" charset="0"/>
+              </a:endParaRPr>
             </a:p>
           </p:txBody>
         </p:sp>
@@ -8815,7 +8880,7 @@
           </p:nvSpPr>
           <p:spPr>
             <a:xfrm>
-              <a:off x="1430655" y="1301115"/>
+              <a:off x="1430655" y="1332542"/>
               <a:ext cx="1371600" cy="292388"/>
             </a:xfrm>
             <a:prstGeom prst="rect">
@@ -8830,7 +8895,7 @@
             <a:lstStyle/>
             <a:p>
               <a:r>
-                <a:rPr kumimoji="0" lang="en-US" sz="1300" b="0" i="0" u="none" strike="noStrike" kern="1200" cap="none" spc="0" normalizeH="0" baseline="0" noProof="0" dirty="0">
+                <a:rPr kumimoji="0" lang="en-US" i="0" u="none" strike="noStrike" kern="1200" cap="none" spc="0" normalizeH="0" baseline="0" noProof="0" dirty="0">
                   <a:ln>
                     <a:noFill/>
                   </a:ln>
@@ -8840,13 +8905,14 @@
                   <a:effectLst/>
                   <a:uLnTx/>
                   <a:uFillTx/>
-                  <a:latin typeface="A little sunshine" pitchFamily="2" charset="0"/>
+                  <a:latin typeface="Just Another Hand" panose="02000506000000020003" pitchFamily="2" charset="0"/>
                   <a:ea typeface="A little sunshine" pitchFamily="2" charset="0"/>
-                  <a:cs typeface="+mn-cs"/>
                 </a:rPr>
                 <a:t>Andrew</a:t>
               </a:r>
-              <a:endParaRPr lang="en-US" dirty="0"/>
+              <a:endParaRPr lang="en-US" sz="2800" dirty="0">
+                <a:latin typeface="Just Another Hand" panose="02000506000000020003" pitchFamily="2" charset="0"/>
+              </a:endParaRPr>
             </a:p>
           </p:txBody>
         </p:sp>
@@ -8864,7 +8930,7 @@
           </p:nvSpPr>
           <p:spPr>
             <a:xfrm>
-              <a:off x="5334000" y="1011555"/>
+              <a:off x="5334000" y="1042982"/>
               <a:ext cx="1143000" cy="292388"/>
             </a:xfrm>
             <a:prstGeom prst="rect">
@@ -8879,7 +8945,7 @@
             <a:lstStyle/>
             <a:p>
               <a:r>
-                <a:rPr kumimoji="0" lang="en-US" sz="1300" b="0" i="0" u="none" strike="noStrike" kern="1200" cap="none" spc="0" normalizeH="0" baseline="0" noProof="0" dirty="0">
+                <a:rPr kumimoji="0" lang="en-US" i="0" u="none" strike="noStrike" kern="1200" cap="none" spc="0" normalizeH="0" baseline="0" noProof="0" dirty="0">
                   <a:ln>
                     <a:noFill/>
                   </a:ln>
@@ -8889,13 +8955,14 @@
                   <a:effectLst/>
                   <a:uLnTx/>
                   <a:uFillTx/>
-                  <a:latin typeface="A little sunshine" pitchFamily="2" charset="0"/>
+                  <a:latin typeface="Just Another Hand" panose="02000506000000020003" pitchFamily="2" charset="0"/>
                   <a:ea typeface="A little sunshine" pitchFamily="2" charset="0"/>
-                  <a:cs typeface="+mn-cs"/>
                 </a:rPr>
                 <a:t>E6 Gaia</a:t>
               </a:r>
-              <a:endParaRPr lang="en-US" dirty="0"/>
+              <a:endParaRPr lang="en-US" sz="2800" dirty="0">
+                <a:latin typeface="Just Another Hand" panose="02000506000000020003" pitchFamily="2" charset="0"/>
+              </a:endParaRPr>
             </a:p>
           </p:txBody>
         </p:sp>
@@ -8962,7 +9029,7 @@
           </p:nvSpPr>
           <p:spPr>
             <a:xfrm>
-              <a:off x="1430655" y="1011555"/>
+              <a:off x="1430655" y="1042982"/>
               <a:ext cx="1371600" cy="292388"/>
             </a:xfrm>
             <a:prstGeom prst="rect">
@@ -8977,7 +9044,7 @@
             <a:lstStyle/>
             <a:p>
               <a:r>
-                <a:rPr kumimoji="0" lang="en-US" sz="1300" b="0" i="0" u="none" strike="noStrike" kern="1200" cap="none" spc="0" normalizeH="0" baseline="0" noProof="0" dirty="0" err="1">
+                <a:rPr kumimoji="0" lang="en-US" i="0" u="none" strike="noStrike" kern="1200" cap="none" spc="0" normalizeH="0" baseline="0" noProof="0" dirty="0" err="1">
                   <a:ln>
                     <a:noFill/>
                   </a:ln>
@@ -8987,13 +9054,14 @@
                   <a:effectLst/>
                   <a:uLnTx/>
                   <a:uFillTx/>
-                  <a:latin typeface="A little sunshine" pitchFamily="2" charset="0"/>
+                  <a:latin typeface="Just Another Hand" panose="02000506000000020003" pitchFamily="2" charset="0"/>
                   <a:ea typeface="A little sunshine" pitchFamily="2" charset="0"/>
-                  <a:cs typeface="+mn-cs"/>
                 </a:rPr>
                 <a:t>Gildong</a:t>
               </a:r>
-              <a:endParaRPr lang="en-US" dirty="0"/>
+              <a:endParaRPr lang="en-US" sz="2800" dirty="0">
+                <a:latin typeface="Just Another Hand" panose="02000506000000020003" pitchFamily="2" charset="0"/>
+              </a:endParaRPr>
             </a:p>
           </p:txBody>
         </p:sp>

--- a/SpeakingEvaluationTemplate.pptx
+++ b/SpeakingEvaluationTemplate.pptx
@@ -203,6 +203,30 @@
             <pc:docMk/>
             <pc:sldMk cId="2986033172" sldId="258"/>
             <ac:spMk id="45" creationId="{DDE73D3C-B64D-2782-6780-6B976C8A9A15}"/>
+          </ac:spMkLst>
+        </pc:spChg>
+      </pc:sldChg>
+    </pc:docChg>
+  </pc:docChgLst>
+  <pc:docChgLst>
+    <pc:chgData name="Warren Feltmate" userId="06ccb0c333b4239d" providerId="LiveId" clId="{46996535-2432-4770-B81A-3F0B8F4CD0E7}"/>
+    <pc:docChg chg="modSld">
+      <pc:chgData name="Warren Feltmate" userId="06ccb0c333b4239d" providerId="LiveId" clId="{46996535-2432-4770-B81A-3F0B8F4CD0E7}" dt="2025-03-26T20:55:11.080" v="5" actId="20577"/>
+      <pc:docMkLst>
+        <pc:docMk/>
+      </pc:docMkLst>
+      <pc:sldChg chg="modSp mod">
+        <pc:chgData name="Warren Feltmate" userId="06ccb0c333b4239d" providerId="LiveId" clId="{46996535-2432-4770-B81A-3F0B8F4CD0E7}" dt="2025-03-26T20:55:11.080" v="5" actId="20577"/>
+        <pc:sldMkLst>
+          <pc:docMk/>
+          <pc:sldMk cId="2986033172" sldId="258"/>
+        </pc:sldMkLst>
+        <pc:spChg chg="mod">
+          <ac:chgData name="Warren Feltmate" userId="06ccb0c333b4239d" providerId="LiveId" clId="{46996535-2432-4770-B81A-3F0B8F4CD0E7}" dt="2025-03-26T20:55:11.080" v="5" actId="20577"/>
+          <ac:spMkLst>
+            <pc:docMk/>
+            <pc:sldMk cId="2986033172" sldId="258"/>
+            <ac:spMk id="8" creationId="{EEE46E5F-FB90-FABC-4D3B-8E8E26233BC6}"/>
           </ac:spMkLst>
         </pc:spChg>
       </pc:sldChg>
@@ -6441,7 +6465,7 @@
           </a:bodyPr>
           <a:lstStyle/>
           <a:p>
-            <a:endParaRPr lang="en-US" dirty="0">
+            <a:endParaRPr lang="en-US" sz="2400" dirty="0">
               <a:solidFill>
                 <a:schemeClr val="tx1"/>
               </a:solidFill>
